--- a/helloworld.pptx
+++ b/helloworld.pptx
@@ -6,6 +6,10 @@
   </p:sldMasterIdLst>
   <p:sldIdLst>
     <p:sldId id="256" r:id="rId2"/>
+    <p:sldId id="257" r:id="rId3"/>
+    <p:sldId id="260" r:id="rId4"/>
+    <p:sldId id="259" r:id="rId5"/>
+    <p:sldId id="258" r:id="rId6"/>
   </p:sldIdLst>
   <p:sldSz cx="9144000" cy="6858000" type="screen4x3"/>
   <p:notesSz cx="6858000" cy="9144000"/>
@@ -286,9 +290,9 @@
           <a:bodyPr/>
           <a:lstStyle/>
           <a:p>
-            <a:fld id="{1731B5C5-7929-0441-97C2-0CF01CC7D898}" type="datetimeFigureOut">
-              <a:rPr lang="en-US" smtClean="0"/>
-              <a:t>8/11/13</a:t>
+            <a:fld id="{A940783D-5EE4-1548-A5FB-E2DBCE5F1DDE}" type="datetimeFigureOut">
+              <a:rPr lang="en-US" smtClean="0"/>
+              <a:t>8/18/13</a:t>
             </a:fld>
             <a:endParaRPr lang="en-US"/>
           </a:p>
@@ -328,7 +332,7 @@
           <a:bodyPr/>
           <a:lstStyle/>
           <a:p>
-            <a:fld id="{C151487E-E0D5-1847-9B9C-1C4344902667}" type="slidenum">
+            <a:fld id="{90276F4A-A65B-2640-89B3-870D61C91D22}" type="slidenum">
               <a:rPr lang="en-US" smtClean="0"/>
               <a:t>‹#›</a:t>
             </a:fld>
@@ -339,7 +343,7 @@
     </p:spTree>
     <p:extLst>
       <p:ext uri="{BB962C8B-B14F-4D97-AF65-F5344CB8AC3E}">
-        <p14:creationId xmlns:p14="http://schemas.microsoft.com/office/powerpoint/2010/main" val="2451063895"/>
+        <p14:creationId xmlns:p14="http://schemas.microsoft.com/office/powerpoint/2010/main" val="3651033248"/>
       </p:ext>
     </p:extLst>
   </p:cSld>
@@ -456,9 +460,9 @@
           <a:bodyPr/>
           <a:lstStyle/>
           <a:p>
-            <a:fld id="{1731B5C5-7929-0441-97C2-0CF01CC7D898}" type="datetimeFigureOut">
-              <a:rPr lang="en-US" smtClean="0"/>
-              <a:t>8/11/13</a:t>
+            <a:fld id="{A940783D-5EE4-1548-A5FB-E2DBCE5F1DDE}" type="datetimeFigureOut">
+              <a:rPr lang="en-US" smtClean="0"/>
+              <a:t>8/18/13</a:t>
             </a:fld>
             <a:endParaRPr lang="en-US"/>
           </a:p>
@@ -498,7 +502,7 @@
           <a:bodyPr/>
           <a:lstStyle/>
           <a:p>
-            <a:fld id="{C151487E-E0D5-1847-9B9C-1C4344902667}" type="slidenum">
+            <a:fld id="{90276F4A-A65B-2640-89B3-870D61C91D22}" type="slidenum">
               <a:rPr lang="en-US" smtClean="0"/>
               <a:t>‹#›</a:t>
             </a:fld>
@@ -509,7 +513,7 @@
     </p:spTree>
     <p:extLst>
       <p:ext uri="{BB962C8B-B14F-4D97-AF65-F5344CB8AC3E}">
-        <p14:creationId xmlns:p14="http://schemas.microsoft.com/office/powerpoint/2010/main" val="1342638830"/>
+        <p14:creationId xmlns:p14="http://schemas.microsoft.com/office/powerpoint/2010/main" val="2262331011"/>
       </p:ext>
     </p:extLst>
   </p:cSld>
@@ -636,9 +640,9 @@
           <a:bodyPr/>
           <a:lstStyle/>
           <a:p>
-            <a:fld id="{1731B5C5-7929-0441-97C2-0CF01CC7D898}" type="datetimeFigureOut">
-              <a:rPr lang="en-US" smtClean="0"/>
-              <a:t>8/11/13</a:t>
+            <a:fld id="{A940783D-5EE4-1548-A5FB-E2DBCE5F1DDE}" type="datetimeFigureOut">
+              <a:rPr lang="en-US" smtClean="0"/>
+              <a:t>8/18/13</a:t>
             </a:fld>
             <a:endParaRPr lang="en-US"/>
           </a:p>
@@ -678,7 +682,7 @@
           <a:bodyPr/>
           <a:lstStyle/>
           <a:p>
-            <a:fld id="{C151487E-E0D5-1847-9B9C-1C4344902667}" type="slidenum">
+            <a:fld id="{90276F4A-A65B-2640-89B3-870D61C91D22}" type="slidenum">
               <a:rPr lang="en-US" smtClean="0"/>
               <a:t>‹#›</a:t>
             </a:fld>
@@ -689,7 +693,7 @@
     </p:spTree>
     <p:extLst>
       <p:ext uri="{BB962C8B-B14F-4D97-AF65-F5344CB8AC3E}">
-        <p14:creationId xmlns:p14="http://schemas.microsoft.com/office/powerpoint/2010/main" val="1931151702"/>
+        <p14:creationId xmlns:p14="http://schemas.microsoft.com/office/powerpoint/2010/main" val="1578590654"/>
       </p:ext>
     </p:extLst>
   </p:cSld>
@@ -806,9 +810,9 @@
           <a:bodyPr/>
           <a:lstStyle/>
           <a:p>
-            <a:fld id="{1731B5C5-7929-0441-97C2-0CF01CC7D898}" type="datetimeFigureOut">
-              <a:rPr lang="en-US" smtClean="0"/>
-              <a:t>8/11/13</a:t>
+            <a:fld id="{A940783D-5EE4-1548-A5FB-E2DBCE5F1DDE}" type="datetimeFigureOut">
+              <a:rPr lang="en-US" smtClean="0"/>
+              <a:t>8/18/13</a:t>
             </a:fld>
             <a:endParaRPr lang="en-US"/>
           </a:p>
@@ -848,7 +852,7 @@
           <a:bodyPr/>
           <a:lstStyle/>
           <a:p>
-            <a:fld id="{C151487E-E0D5-1847-9B9C-1C4344902667}" type="slidenum">
+            <a:fld id="{90276F4A-A65B-2640-89B3-870D61C91D22}" type="slidenum">
               <a:rPr lang="en-US" smtClean="0"/>
               <a:t>‹#›</a:t>
             </a:fld>
@@ -859,7 +863,7 @@
     </p:spTree>
     <p:extLst>
       <p:ext uri="{BB962C8B-B14F-4D97-AF65-F5344CB8AC3E}">
-        <p14:creationId xmlns:p14="http://schemas.microsoft.com/office/powerpoint/2010/main" val="3170740521"/>
+        <p14:creationId xmlns:p14="http://schemas.microsoft.com/office/powerpoint/2010/main" val="3879207825"/>
       </p:ext>
     </p:extLst>
   </p:cSld>
@@ -1052,9 +1056,9 @@
           <a:bodyPr/>
           <a:lstStyle/>
           <a:p>
-            <a:fld id="{1731B5C5-7929-0441-97C2-0CF01CC7D898}" type="datetimeFigureOut">
-              <a:rPr lang="en-US" smtClean="0"/>
-              <a:t>8/11/13</a:t>
+            <a:fld id="{A940783D-5EE4-1548-A5FB-E2DBCE5F1DDE}" type="datetimeFigureOut">
+              <a:rPr lang="en-US" smtClean="0"/>
+              <a:t>8/18/13</a:t>
             </a:fld>
             <a:endParaRPr lang="en-US"/>
           </a:p>
@@ -1094,7 +1098,7 @@
           <a:bodyPr/>
           <a:lstStyle/>
           <a:p>
-            <a:fld id="{C151487E-E0D5-1847-9B9C-1C4344902667}" type="slidenum">
+            <a:fld id="{90276F4A-A65B-2640-89B3-870D61C91D22}" type="slidenum">
               <a:rPr lang="en-US" smtClean="0"/>
               <a:t>‹#›</a:t>
             </a:fld>
@@ -1105,7 +1109,7 @@
     </p:spTree>
     <p:extLst>
       <p:ext uri="{BB962C8B-B14F-4D97-AF65-F5344CB8AC3E}">
-        <p14:creationId xmlns:p14="http://schemas.microsoft.com/office/powerpoint/2010/main" val="842868779"/>
+        <p14:creationId xmlns:p14="http://schemas.microsoft.com/office/powerpoint/2010/main" val="2506043593"/>
       </p:ext>
     </p:extLst>
   </p:cSld>
@@ -1340,9 +1344,9 @@
           <a:bodyPr/>
           <a:lstStyle/>
           <a:p>
-            <a:fld id="{1731B5C5-7929-0441-97C2-0CF01CC7D898}" type="datetimeFigureOut">
-              <a:rPr lang="en-US" smtClean="0"/>
-              <a:t>8/11/13</a:t>
+            <a:fld id="{A940783D-5EE4-1548-A5FB-E2DBCE5F1DDE}" type="datetimeFigureOut">
+              <a:rPr lang="en-US" smtClean="0"/>
+              <a:t>8/18/13</a:t>
             </a:fld>
             <a:endParaRPr lang="en-US"/>
           </a:p>
@@ -1382,7 +1386,7 @@
           <a:bodyPr/>
           <a:lstStyle/>
           <a:p>
-            <a:fld id="{C151487E-E0D5-1847-9B9C-1C4344902667}" type="slidenum">
+            <a:fld id="{90276F4A-A65B-2640-89B3-870D61C91D22}" type="slidenum">
               <a:rPr lang="en-US" smtClean="0"/>
               <a:t>‹#›</a:t>
             </a:fld>
@@ -1393,7 +1397,7 @@
     </p:spTree>
     <p:extLst>
       <p:ext uri="{BB962C8B-B14F-4D97-AF65-F5344CB8AC3E}">
-        <p14:creationId xmlns:p14="http://schemas.microsoft.com/office/powerpoint/2010/main" val="3235008345"/>
+        <p14:creationId xmlns:p14="http://schemas.microsoft.com/office/powerpoint/2010/main" val="3031903646"/>
       </p:ext>
     </p:extLst>
   </p:cSld>
@@ -1762,9 +1766,9 @@
           <a:bodyPr/>
           <a:lstStyle/>
           <a:p>
-            <a:fld id="{1731B5C5-7929-0441-97C2-0CF01CC7D898}" type="datetimeFigureOut">
-              <a:rPr lang="en-US" smtClean="0"/>
-              <a:t>8/11/13</a:t>
+            <a:fld id="{A940783D-5EE4-1548-A5FB-E2DBCE5F1DDE}" type="datetimeFigureOut">
+              <a:rPr lang="en-US" smtClean="0"/>
+              <a:t>8/18/13</a:t>
             </a:fld>
             <a:endParaRPr lang="en-US"/>
           </a:p>
@@ -1804,7 +1808,7 @@
           <a:bodyPr/>
           <a:lstStyle/>
           <a:p>
-            <a:fld id="{C151487E-E0D5-1847-9B9C-1C4344902667}" type="slidenum">
+            <a:fld id="{90276F4A-A65B-2640-89B3-870D61C91D22}" type="slidenum">
               <a:rPr lang="en-US" smtClean="0"/>
               <a:t>‹#›</a:t>
             </a:fld>
@@ -1815,7 +1819,7 @@
     </p:spTree>
     <p:extLst>
       <p:ext uri="{BB962C8B-B14F-4D97-AF65-F5344CB8AC3E}">
-        <p14:creationId xmlns:p14="http://schemas.microsoft.com/office/powerpoint/2010/main" val="748948261"/>
+        <p14:creationId xmlns:p14="http://schemas.microsoft.com/office/powerpoint/2010/main" val="2760581332"/>
       </p:ext>
     </p:extLst>
   </p:cSld>
@@ -1880,9 +1884,9 @@
           <a:bodyPr/>
           <a:lstStyle/>
           <a:p>
-            <a:fld id="{1731B5C5-7929-0441-97C2-0CF01CC7D898}" type="datetimeFigureOut">
-              <a:rPr lang="en-US" smtClean="0"/>
-              <a:t>8/11/13</a:t>
+            <a:fld id="{A940783D-5EE4-1548-A5FB-E2DBCE5F1DDE}" type="datetimeFigureOut">
+              <a:rPr lang="en-US" smtClean="0"/>
+              <a:t>8/18/13</a:t>
             </a:fld>
             <a:endParaRPr lang="en-US"/>
           </a:p>
@@ -1922,7 +1926,7 @@
           <a:bodyPr/>
           <a:lstStyle/>
           <a:p>
-            <a:fld id="{C151487E-E0D5-1847-9B9C-1C4344902667}" type="slidenum">
+            <a:fld id="{90276F4A-A65B-2640-89B3-870D61C91D22}" type="slidenum">
               <a:rPr lang="en-US" smtClean="0"/>
               <a:t>‹#›</a:t>
             </a:fld>
@@ -1933,7 +1937,7 @@
     </p:spTree>
     <p:extLst>
       <p:ext uri="{BB962C8B-B14F-4D97-AF65-F5344CB8AC3E}">
-        <p14:creationId xmlns:p14="http://schemas.microsoft.com/office/powerpoint/2010/main" val="1412102458"/>
+        <p14:creationId xmlns:p14="http://schemas.microsoft.com/office/powerpoint/2010/main" val="897103514"/>
       </p:ext>
     </p:extLst>
   </p:cSld>
@@ -1975,9 +1979,9 @@
           <a:bodyPr/>
           <a:lstStyle/>
           <a:p>
-            <a:fld id="{1731B5C5-7929-0441-97C2-0CF01CC7D898}" type="datetimeFigureOut">
-              <a:rPr lang="en-US" smtClean="0"/>
-              <a:t>8/11/13</a:t>
+            <a:fld id="{A940783D-5EE4-1548-A5FB-E2DBCE5F1DDE}" type="datetimeFigureOut">
+              <a:rPr lang="en-US" smtClean="0"/>
+              <a:t>8/18/13</a:t>
             </a:fld>
             <a:endParaRPr lang="en-US"/>
           </a:p>
@@ -2017,7 +2021,7 @@
           <a:bodyPr/>
           <a:lstStyle/>
           <a:p>
-            <a:fld id="{C151487E-E0D5-1847-9B9C-1C4344902667}" type="slidenum">
+            <a:fld id="{90276F4A-A65B-2640-89B3-870D61C91D22}" type="slidenum">
               <a:rPr lang="en-US" smtClean="0"/>
               <a:t>‹#›</a:t>
             </a:fld>
@@ -2028,7 +2032,7 @@
     </p:spTree>
     <p:extLst>
       <p:ext uri="{BB962C8B-B14F-4D97-AF65-F5344CB8AC3E}">
-        <p14:creationId xmlns:p14="http://schemas.microsoft.com/office/powerpoint/2010/main" val="440803399"/>
+        <p14:creationId xmlns:p14="http://schemas.microsoft.com/office/powerpoint/2010/main" val="3400789443"/>
       </p:ext>
     </p:extLst>
   </p:cSld>
@@ -2252,9 +2256,9 @@
           <a:bodyPr/>
           <a:lstStyle/>
           <a:p>
-            <a:fld id="{1731B5C5-7929-0441-97C2-0CF01CC7D898}" type="datetimeFigureOut">
-              <a:rPr lang="en-US" smtClean="0"/>
-              <a:t>8/11/13</a:t>
+            <a:fld id="{A940783D-5EE4-1548-A5FB-E2DBCE5F1DDE}" type="datetimeFigureOut">
+              <a:rPr lang="en-US" smtClean="0"/>
+              <a:t>8/18/13</a:t>
             </a:fld>
             <a:endParaRPr lang="en-US"/>
           </a:p>
@@ -2294,7 +2298,7 @@
           <a:bodyPr/>
           <a:lstStyle/>
           <a:p>
-            <a:fld id="{C151487E-E0D5-1847-9B9C-1C4344902667}" type="slidenum">
+            <a:fld id="{90276F4A-A65B-2640-89B3-870D61C91D22}" type="slidenum">
               <a:rPr lang="en-US" smtClean="0"/>
               <a:t>‹#›</a:t>
             </a:fld>
@@ -2305,7 +2309,7 @@
     </p:spTree>
     <p:extLst>
       <p:ext uri="{BB962C8B-B14F-4D97-AF65-F5344CB8AC3E}">
-        <p14:creationId xmlns:p14="http://schemas.microsoft.com/office/powerpoint/2010/main" val="2594725916"/>
+        <p14:creationId xmlns:p14="http://schemas.microsoft.com/office/powerpoint/2010/main" val="3158356807"/>
       </p:ext>
     </p:extLst>
   </p:cSld>
@@ -2505,9 +2509,9 @@
           <a:bodyPr/>
           <a:lstStyle/>
           <a:p>
-            <a:fld id="{1731B5C5-7929-0441-97C2-0CF01CC7D898}" type="datetimeFigureOut">
-              <a:rPr lang="en-US" smtClean="0"/>
-              <a:t>8/11/13</a:t>
+            <a:fld id="{A940783D-5EE4-1548-A5FB-E2DBCE5F1DDE}" type="datetimeFigureOut">
+              <a:rPr lang="en-US" smtClean="0"/>
+              <a:t>8/18/13</a:t>
             </a:fld>
             <a:endParaRPr lang="en-US"/>
           </a:p>
@@ -2547,7 +2551,7 @@
           <a:bodyPr/>
           <a:lstStyle/>
           <a:p>
-            <a:fld id="{C151487E-E0D5-1847-9B9C-1C4344902667}" type="slidenum">
+            <a:fld id="{90276F4A-A65B-2640-89B3-870D61C91D22}" type="slidenum">
               <a:rPr lang="en-US" smtClean="0"/>
               <a:t>‹#›</a:t>
             </a:fld>
@@ -2558,7 +2562,7 @@
     </p:spTree>
     <p:extLst>
       <p:ext uri="{BB962C8B-B14F-4D97-AF65-F5344CB8AC3E}">
-        <p14:creationId xmlns:p14="http://schemas.microsoft.com/office/powerpoint/2010/main" val="2103594251"/>
+        <p14:creationId xmlns:p14="http://schemas.microsoft.com/office/powerpoint/2010/main" val="4077296921"/>
       </p:ext>
     </p:extLst>
   </p:cSld>
@@ -2718,9 +2722,9 @@
             </a:lvl1pPr>
           </a:lstStyle>
           <a:p>
-            <a:fld id="{1731B5C5-7929-0441-97C2-0CF01CC7D898}" type="datetimeFigureOut">
-              <a:rPr lang="en-US" smtClean="0"/>
-              <a:t>8/11/13</a:t>
+            <a:fld id="{A940783D-5EE4-1548-A5FB-E2DBCE5F1DDE}" type="datetimeFigureOut">
+              <a:rPr lang="en-US" smtClean="0"/>
+              <a:t>8/18/13</a:t>
             </a:fld>
             <a:endParaRPr lang="en-US"/>
           </a:p>
@@ -2796,7 +2800,7 @@
             </a:lvl1pPr>
           </a:lstStyle>
           <a:p>
-            <a:fld id="{C151487E-E0D5-1847-9B9C-1C4344902667}" type="slidenum">
+            <a:fld id="{90276F4A-A65B-2640-89B3-870D61C91D22}" type="slidenum">
               <a:rPr lang="en-US" smtClean="0"/>
               <a:t>‹#›</a:t>
             </a:fld>
@@ -2807,7 +2811,7 @@
     </p:spTree>
     <p:extLst>
       <p:ext uri="{BB962C8B-B14F-4D97-AF65-F5344CB8AC3E}">
-        <p14:creationId xmlns:p14="http://schemas.microsoft.com/office/powerpoint/2010/main" val="2908094604"/>
+        <p14:creationId xmlns:p14="http://schemas.microsoft.com/office/powerpoint/2010/main" val="2052391518"/>
       </p:ext>
     </p:extLst>
   </p:cSld>
@@ -3095,16 +3099,156 @@
           <a:chExt cx="0" cy="0"/>
         </a:xfrm>
       </p:grpSpPr>
-      <p:sp>
-        <p:nvSpPr>
-          <p:cNvPr id="4" name="TextBox 3"/>
+      <p:pic>
+        <p:nvPicPr>
+          <p:cNvPr id="6" name="Picture 5" descr="Screen Shot 2013-08-17 at 1.47.09 PM.png"/>
+          <p:cNvPicPr>
+            <a:picLocks noChangeAspect="1"/>
+          </p:cNvPicPr>
+          <p:nvPr/>
+        </p:nvPicPr>
+        <p:blipFill>
+          <a:blip r:embed="rId2">
+            <a:extLst>
+              <a:ext uri="{28A0092B-C50C-407E-A947-70E740481C1C}">
+                <a14:useLocalDpi xmlns:a14="http://schemas.microsoft.com/office/drawing/2010/main" val="0"/>
+              </a:ext>
+            </a:extLst>
+          </a:blip>
+          <a:stretch>
+            <a:fillRect/>
+          </a:stretch>
+        </p:blipFill>
+        <p:spPr>
+          <a:xfrm>
+            <a:off x="36723" y="0"/>
+            <a:ext cx="9107277" cy="6858000"/>
+          </a:xfrm>
+          <a:prstGeom prst="rect">
+            <a:avLst/>
+          </a:prstGeom>
+        </p:spPr>
+      </p:pic>
+      <p:sp>
+        <p:nvSpPr>
+          <p:cNvPr id="8" name="TextBox 7"/>
           <p:cNvSpPr txBox="1"/>
           <p:nvPr/>
         </p:nvSpPr>
         <p:spPr>
           <a:xfrm>
-            <a:off x="2605858" y="2641956"/>
-            <a:ext cx="3919162" cy="1015663"/>
+            <a:off x="250399" y="178884"/>
+            <a:ext cx="6276077" cy="646331"/>
+          </a:xfrm>
+          <a:prstGeom prst="rect">
+            <a:avLst/>
+          </a:prstGeom>
+          <a:solidFill>
+            <a:schemeClr val="bg1">
+              <a:alpha val="66000"/>
+            </a:schemeClr>
+          </a:solidFill>
+          <a:ln>
+            <a:solidFill>
+              <a:schemeClr val="tx1"/>
+            </a:solidFill>
+          </a:ln>
+        </p:spPr>
+        <p:txBody>
+          <a:bodyPr wrap="none" rtlCol="0">
+            <a:spAutoFit/>
+          </a:bodyPr>
+          <a:lstStyle/>
+          <a:p>
+            <a:r>
+              <a:rPr lang="en-US" sz="3600" dirty="0" smtClean="0"/>
+              <a:t>Browser http</a:t>
+            </a:r>
+            <a:r>
+              <a:rPr lang="en-US" sz="3600" dirty="0"/>
+              <a:t>://</a:t>
+            </a:r>
+            <a:r>
+              <a:rPr lang="en-US" sz="3600" smtClean="0"/>
+              <a:t>slides.sikuli.org</a:t>
+            </a:r>
+            <a:r>
+              <a:rPr lang="en-US" sz="3600" dirty="0"/>
+              <a:t>/</a:t>
+            </a:r>
+          </a:p>
+        </p:txBody>
+      </p:sp>
+    </p:spTree>
+    <p:extLst>
+      <p:ext uri="{BB962C8B-B14F-4D97-AF65-F5344CB8AC3E}">
+        <p14:creationId xmlns:p14="http://schemas.microsoft.com/office/powerpoint/2010/main" val="1061829403"/>
+      </p:ext>
+    </p:extLst>
+  </p:cSld>
+  <p:clrMapOvr>
+    <a:masterClrMapping/>
+  </p:clrMapOvr>
+</p:sld>
+</file>
+
+<file path=ppt/slides/slide2.xml><?xml version="1.0" encoding="utf-8"?>
+<p:sld xmlns:a="http://schemas.openxmlformats.org/drawingml/2006/main" xmlns:r="http://schemas.openxmlformats.org/officeDocument/2006/relationships" xmlns:p="http://schemas.openxmlformats.org/presentationml/2006/main">
+  <p:cSld>
+    <p:spTree>
+      <p:nvGrpSpPr>
+        <p:cNvPr id="1" name=""/>
+        <p:cNvGrpSpPr/>
+        <p:nvPr/>
+      </p:nvGrpSpPr>
+      <p:grpSpPr>
+        <a:xfrm>
+          <a:off x="0" y="0"/>
+          <a:ext cx="0" cy="0"/>
+          <a:chOff x="0" y="0"/>
+          <a:chExt cx="0" cy="0"/>
+        </a:xfrm>
+      </p:grpSpPr>
+      <p:pic>
+        <p:nvPicPr>
+          <p:cNvPr id="6" name="Picture 5" descr="Screen Shot 2013-08-17 at 1.47.09 PM.png"/>
+          <p:cNvPicPr>
+            <a:picLocks noChangeAspect="1"/>
+          </p:cNvPicPr>
+          <p:nvPr/>
+        </p:nvPicPr>
+        <p:blipFill>
+          <a:blip r:embed="rId2">
+            <a:extLst>
+              <a:ext uri="{28A0092B-C50C-407E-A947-70E740481C1C}">
+                <a14:useLocalDpi xmlns:a14="http://schemas.microsoft.com/office/drawing/2010/main" val="0"/>
+              </a:ext>
+            </a:extLst>
+          </a:blip>
+          <a:stretch>
+            <a:fillRect/>
+          </a:stretch>
+        </p:blipFill>
+        <p:spPr>
+          <a:xfrm>
+            <a:off x="36723" y="0"/>
+            <a:ext cx="9107277" cy="6858000"/>
+          </a:xfrm>
+          <a:prstGeom prst="rect">
+            <a:avLst/>
+          </a:prstGeom>
+        </p:spPr>
+      </p:pic>
+      <p:sp>
+        <p:nvSpPr>
+          <p:cNvPr id="3" name="TextBox 2"/>
+          <p:cNvSpPr txBox="1"/>
+          <p:nvPr/>
+        </p:nvSpPr>
+        <p:spPr>
+          <a:xfrm>
+            <a:off x="1670900" y="2799581"/>
+            <a:ext cx="5697769" cy="707886"/>
           </a:xfrm>
           <a:prstGeom prst="rect">
             <a:avLst/>
@@ -3114,23 +3258,443 @@
           </a:solidFill>
         </p:spPr>
         <p:txBody>
+          <a:bodyPr wrap="square" rtlCol="0">
+            <a:spAutoFit/>
+          </a:bodyPr>
+          <a:lstStyle/>
+          <a:p>
+            <a:pPr algn="ctr"/>
+            <a:r>
+              <a:rPr lang="en-US" sz="4000" dirty="0" smtClean="0"/>
+              <a:t>Welcome to </a:t>
+            </a:r>
+            <a:r>
+              <a:rPr lang="en-US" sz="4000" dirty="0" err="1" smtClean="0"/>
+              <a:t>Sikuli</a:t>
+            </a:r>
+            <a:r>
+              <a:rPr lang="en-US" sz="4000" dirty="0" smtClean="0"/>
+              <a:t> Slides</a:t>
+            </a:r>
+          </a:p>
+        </p:txBody>
+      </p:sp>
+    </p:spTree>
+    <p:extLst>
+      <p:ext uri="{BB962C8B-B14F-4D97-AF65-F5344CB8AC3E}">
+        <p14:creationId xmlns:p14="http://schemas.microsoft.com/office/powerpoint/2010/main" val="940637644"/>
+      </p:ext>
+    </p:extLst>
+  </p:cSld>
+  <p:clrMapOvr>
+    <a:masterClrMapping/>
+  </p:clrMapOvr>
+</p:sld>
+</file>
+
+<file path=ppt/slides/slide3.xml><?xml version="1.0" encoding="utf-8"?>
+<p:sld xmlns:a="http://schemas.openxmlformats.org/drawingml/2006/main" xmlns:r="http://schemas.openxmlformats.org/officeDocument/2006/relationships" xmlns:p="http://schemas.openxmlformats.org/presentationml/2006/main">
+  <p:cSld>
+    <p:spTree>
+      <p:nvGrpSpPr>
+        <p:cNvPr id="1" name=""/>
+        <p:cNvGrpSpPr/>
+        <p:nvPr/>
+      </p:nvGrpSpPr>
+      <p:grpSpPr>
+        <a:xfrm>
+          <a:off x="0" y="0"/>
+          <a:ext cx="0" cy="0"/>
+          <a:chOff x="0" y="0"/>
+          <a:chExt cx="0" cy="0"/>
+        </a:xfrm>
+      </p:grpSpPr>
+      <p:pic>
+        <p:nvPicPr>
+          <p:cNvPr id="6" name="Picture 5" descr="Screen Shot 2013-08-17 at 1.47.09 PM.png"/>
+          <p:cNvPicPr>
+            <a:picLocks noChangeAspect="1"/>
+          </p:cNvPicPr>
+          <p:nvPr/>
+        </p:nvPicPr>
+        <p:blipFill>
+          <a:blip r:embed="rId2">
+            <a:extLst>
+              <a:ext uri="{28A0092B-C50C-407E-A947-70E740481C1C}">
+                <a14:useLocalDpi xmlns:a14="http://schemas.microsoft.com/office/drawing/2010/main" val="0"/>
+              </a:ext>
+            </a:extLst>
+          </a:blip>
+          <a:stretch>
+            <a:fillRect/>
+          </a:stretch>
+        </p:blipFill>
+        <p:spPr>
+          <a:xfrm>
+            <a:off x="36723" y="0"/>
+            <a:ext cx="9107277" cy="6858000"/>
+          </a:xfrm>
+          <a:prstGeom prst="rect">
+            <a:avLst/>
+          </a:prstGeom>
+        </p:spPr>
+      </p:pic>
+      <p:sp>
+        <p:nvSpPr>
+          <p:cNvPr id="3" name="TextBox 2"/>
+          <p:cNvSpPr txBox="1"/>
+          <p:nvPr/>
+        </p:nvSpPr>
+        <p:spPr>
+          <a:xfrm>
+            <a:off x="1871408" y="175868"/>
+            <a:ext cx="5697769" cy="707886"/>
+          </a:xfrm>
+          <a:prstGeom prst="rect">
+            <a:avLst/>
+          </a:prstGeom>
+          <a:solidFill>
+            <a:srgbClr val="FFFF00"/>
+          </a:solidFill>
+        </p:spPr>
+        <p:txBody>
+          <a:bodyPr wrap="square" rtlCol="0">
+            <a:spAutoFit/>
+          </a:bodyPr>
+          <a:lstStyle/>
+          <a:p>
+            <a:pPr algn="ctr"/>
+            <a:r>
+              <a:rPr lang="en-US" sz="4000" dirty="0" smtClean="0"/>
+              <a:t>Let’s find a target to click</a:t>
+            </a:r>
+          </a:p>
+        </p:txBody>
+      </p:sp>
+      <p:sp>
+        <p:nvSpPr>
+          <p:cNvPr id="4" name="Rectangle 3"/>
+          <p:cNvSpPr/>
+          <p:nvPr/>
+        </p:nvSpPr>
+        <p:spPr>
+          <a:xfrm>
+            <a:off x="7272525" y="1535211"/>
+            <a:ext cx="1716917" cy="1272328"/>
+          </a:xfrm>
+          <a:prstGeom prst="rect">
+            <a:avLst/>
+          </a:prstGeom>
+          <a:noFill/>
+          <a:ln w="57150" cmpd="sng">
+            <a:solidFill>
+              <a:srgbClr val="FF0000"/>
+            </a:solidFill>
+          </a:ln>
+        </p:spPr>
+        <p:style>
+          <a:lnRef idx="1">
+            <a:schemeClr val="accent1"/>
+          </a:lnRef>
+          <a:fillRef idx="3">
+            <a:schemeClr val="accent1"/>
+          </a:fillRef>
+          <a:effectRef idx="2">
+            <a:schemeClr val="accent1"/>
+          </a:effectRef>
+          <a:fontRef idx="minor">
+            <a:schemeClr val="lt1"/>
+          </a:fontRef>
+        </p:style>
+        <p:txBody>
+          <a:bodyPr rtlCol="0" anchor="ctr"/>
+          <a:lstStyle/>
+          <a:p>
+            <a:pPr algn="ctr"/>
+            <a:endParaRPr lang="en-US"/>
+          </a:p>
+        </p:txBody>
+      </p:sp>
+      <p:sp>
+        <p:nvSpPr>
+          <p:cNvPr id="5" name="TextBox 4"/>
+          <p:cNvSpPr txBox="1"/>
+          <p:nvPr/>
+        </p:nvSpPr>
+        <p:spPr>
+          <a:xfrm>
+            <a:off x="6113422" y="1117472"/>
+            <a:ext cx="1008710" cy="523220"/>
+          </a:xfrm>
+          <a:prstGeom prst="rect">
+            <a:avLst/>
+          </a:prstGeom>
+          <a:solidFill>
+            <a:srgbClr val="FF00FF">
+              <a:alpha val="61000"/>
+            </a:srgbClr>
+          </a:solidFill>
+          <a:ln>
+            <a:solidFill>
+              <a:schemeClr val="tx1"/>
+            </a:solidFill>
+          </a:ln>
+        </p:spPr>
+        <p:txBody>
           <a:bodyPr wrap="none" rtlCol="0">
             <a:spAutoFit/>
           </a:bodyPr>
           <a:lstStyle/>
           <a:p>
             <a:r>
-              <a:rPr lang="en-US" sz="6000" dirty="0" smtClean="0"/>
-              <a:t>Hello World</a:t>
-            </a:r>
-            <a:endParaRPr lang="en-US" sz="6000" dirty="0"/>
+              <a:rPr lang="en-US" sz="2800" b="1" dirty="0" smtClean="0"/>
+              <a:t>CLICK</a:t>
+            </a:r>
+            <a:endParaRPr lang="en-US" sz="2800" b="1" dirty="0"/>
           </a:p>
         </p:txBody>
       </p:sp>
     </p:spTree>
     <p:extLst>
       <p:ext uri="{BB962C8B-B14F-4D97-AF65-F5344CB8AC3E}">
-        <p14:creationId xmlns:p14="http://schemas.microsoft.com/office/powerpoint/2010/main" val="2481828766"/>
+        <p14:creationId xmlns:p14="http://schemas.microsoft.com/office/powerpoint/2010/main" val="2314313942"/>
+      </p:ext>
+    </p:extLst>
+  </p:cSld>
+  <p:clrMapOvr>
+    <a:masterClrMapping/>
+  </p:clrMapOvr>
+</p:sld>
+</file>
+
+<file path=ppt/slides/slide4.xml><?xml version="1.0" encoding="utf-8"?>
+<p:sld xmlns:a="http://schemas.openxmlformats.org/drawingml/2006/main" xmlns:r="http://schemas.openxmlformats.org/officeDocument/2006/relationships" xmlns:p="http://schemas.openxmlformats.org/presentationml/2006/main">
+  <p:cSld>
+    <p:spTree>
+      <p:nvGrpSpPr>
+        <p:cNvPr id="1" name=""/>
+        <p:cNvGrpSpPr/>
+        <p:nvPr/>
+      </p:nvGrpSpPr>
+      <p:grpSpPr>
+        <a:xfrm>
+          <a:off x="0" y="0"/>
+          <a:ext cx="0" cy="0"/>
+          <a:chOff x="0" y="0"/>
+          <a:chExt cx="0" cy="0"/>
+        </a:xfrm>
+      </p:grpSpPr>
+      <p:pic>
+        <p:nvPicPr>
+          <p:cNvPr id="6" name="Picture 5" descr="Screen Shot 2013-08-17 at 1.47.09 PM.png"/>
+          <p:cNvPicPr>
+            <a:picLocks noChangeAspect="1"/>
+          </p:cNvPicPr>
+          <p:nvPr/>
+        </p:nvPicPr>
+        <p:blipFill>
+          <a:blip r:embed="rId2">
+            <a:extLst>
+              <a:ext uri="{28A0092B-C50C-407E-A947-70E740481C1C}">
+                <a14:useLocalDpi xmlns:a14="http://schemas.microsoft.com/office/drawing/2010/main" val="0"/>
+              </a:ext>
+            </a:extLst>
+          </a:blip>
+          <a:stretch>
+            <a:fillRect/>
+          </a:stretch>
+        </p:blipFill>
+        <p:spPr>
+          <a:xfrm>
+            <a:off x="36723" y="0"/>
+            <a:ext cx="9107277" cy="6858000"/>
+          </a:xfrm>
+          <a:prstGeom prst="rect">
+            <a:avLst/>
+          </a:prstGeom>
+        </p:spPr>
+      </p:pic>
+      <p:sp>
+        <p:nvSpPr>
+          <p:cNvPr id="3" name="TextBox 2"/>
+          <p:cNvSpPr txBox="1"/>
+          <p:nvPr/>
+        </p:nvSpPr>
+        <p:spPr>
+          <a:xfrm>
+            <a:off x="3784588" y="937436"/>
+            <a:ext cx="2723567" cy="400110"/>
+          </a:xfrm>
+          <a:prstGeom prst="rect">
+            <a:avLst/>
+          </a:prstGeom>
+          <a:solidFill>
+            <a:srgbClr val="FFFF00"/>
+          </a:solidFill>
+        </p:spPr>
+        <p:txBody>
+          <a:bodyPr wrap="square" rtlCol="0">
+            <a:spAutoFit/>
+          </a:bodyPr>
+          <a:lstStyle/>
+          <a:p>
+            <a:pPr algn="ctr"/>
+            <a:r>
+              <a:rPr lang="en-US" sz="2000" dirty="0" smtClean="0"/>
+              <a:t>Read this to learn more</a:t>
+            </a:r>
+          </a:p>
+        </p:txBody>
+      </p:sp>
+      <p:sp>
+        <p:nvSpPr>
+          <p:cNvPr id="4" name="Rectangle 3"/>
+          <p:cNvSpPr/>
+          <p:nvPr/>
+        </p:nvSpPr>
+        <p:spPr>
+          <a:xfrm>
+            <a:off x="4346379" y="513555"/>
+            <a:ext cx="1334682" cy="306020"/>
+          </a:xfrm>
+          <a:prstGeom prst="rect">
+            <a:avLst/>
+          </a:prstGeom>
+          <a:noFill/>
+          <a:ln w="57150" cmpd="sng">
+            <a:solidFill>
+              <a:srgbClr val="FF0000"/>
+            </a:solidFill>
+          </a:ln>
+        </p:spPr>
+        <p:style>
+          <a:lnRef idx="1">
+            <a:schemeClr val="accent1"/>
+          </a:lnRef>
+          <a:fillRef idx="3">
+            <a:schemeClr val="accent1"/>
+          </a:fillRef>
+          <a:effectRef idx="2">
+            <a:schemeClr val="accent1"/>
+          </a:effectRef>
+          <a:fontRef idx="minor">
+            <a:schemeClr val="lt1"/>
+          </a:fontRef>
+        </p:style>
+        <p:txBody>
+          <a:bodyPr rtlCol="0" anchor="ctr"/>
+          <a:lstStyle/>
+          <a:p>
+            <a:pPr algn="ctr"/>
+            <a:endParaRPr lang="en-US"/>
+          </a:p>
+        </p:txBody>
+      </p:sp>
+      <p:sp>
+        <p:nvSpPr>
+          <p:cNvPr id="5" name="TextBox 4"/>
+          <p:cNvSpPr txBox="1"/>
+          <p:nvPr/>
+        </p:nvSpPr>
+        <p:spPr>
+          <a:xfrm>
+            <a:off x="3237402" y="296355"/>
+            <a:ext cx="1008710" cy="523220"/>
+          </a:xfrm>
+          <a:prstGeom prst="rect">
+            <a:avLst/>
+          </a:prstGeom>
+          <a:solidFill>
+            <a:srgbClr val="FF00FF">
+              <a:alpha val="61000"/>
+            </a:srgbClr>
+          </a:solidFill>
+          <a:ln>
+            <a:solidFill>
+              <a:schemeClr val="tx1"/>
+            </a:solidFill>
+          </a:ln>
+        </p:spPr>
+        <p:txBody>
+          <a:bodyPr wrap="none" rtlCol="0">
+            <a:spAutoFit/>
+          </a:bodyPr>
+          <a:lstStyle/>
+          <a:p>
+            <a:r>
+              <a:rPr lang="en-US" sz="2800" b="1" dirty="0" smtClean="0"/>
+              <a:t>CLICK</a:t>
+            </a:r>
+            <a:endParaRPr lang="en-US" sz="2800" b="1" dirty="0"/>
+          </a:p>
+        </p:txBody>
+      </p:sp>
+    </p:spTree>
+    <p:extLst>
+      <p:ext uri="{BB962C8B-B14F-4D97-AF65-F5344CB8AC3E}">
+        <p14:creationId xmlns:p14="http://schemas.microsoft.com/office/powerpoint/2010/main" val="1516562747"/>
+      </p:ext>
+    </p:extLst>
+  </p:cSld>
+  <p:clrMapOvr>
+    <a:masterClrMapping/>
+  </p:clrMapOvr>
+</p:sld>
+</file>
+
+<file path=ppt/slides/slide5.xml><?xml version="1.0" encoding="utf-8"?>
+<p:sld xmlns:a="http://schemas.openxmlformats.org/drawingml/2006/main" xmlns:r="http://schemas.openxmlformats.org/officeDocument/2006/relationships" xmlns:p="http://schemas.openxmlformats.org/presentationml/2006/main">
+  <p:cSld>
+    <p:spTree>
+      <p:nvGrpSpPr>
+        <p:cNvPr id="1" name=""/>
+        <p:cNvGrpSpPr/>
+        <p:nvPr/>
+      </p:nvGrpSpPr>
+      <p:grpSpPr>
+        <a:xfrm>
+          <a:off x="0" y="0"/>
+          <a:ext cx="0" cy="0"/>
+          <a:chOff x="0" y="0"/>
+          <a:chExt cx="0" cy="0"/>
+        </a:xfrm>
+      </p:grpSpPr>
+      <p:sp>
+        <p:nvSpPr>
+          <p:cNvPr id="3" name="TextBox 2"/>
+          <p:cNvSpPr txBox="1"/>
+          <p:nvPr/>
+        </p:nvSpPr>
+        <p:spPr>
+          <a:xfrm>
+            <a:off x="3408636" y="2958740"/>
+            <a:ext cx="2239006" cy="707886"/>
+          </a:xfrm>
+          <a:prstGeom prst="rect">
+            <a:avLst/>
+          </a:prstGeom>
+          <a:solidFill>
+            <a:srgbClr val="FFFF00"/>
+          </a:solidFill>
+        </p:spPr>
+        <p:txBody>
+          <a:bodyPr wrap="square" rtlCol="0">
+            <a:spAutoFit/>
+          </a:bodyPr>
+          <a:lstStyle/>
+          <a:p>
+            <a:pPr algn="ctr"/>
+            <a:r>
+              <a:rPr lang="en-US" sz="4000" dirty="0" smtClean="0"/>
+              <a:t>The End</a:t>
+            </a:r>
+          </a:p>
+        </p:txBody>
+      </p:sp>
+    </p:spTree>
+    <p:extLst>
+      <p:ext uri="{BB962C8B-B14F-4D97-AF65-F5344CB8AC3E}">
+        <p14:creationId xmlns:p14="http://schemas.microsoft.com/office/powerpoint/2010/main" val="2096017477"/>
       </p:ext>
     </p:extLst>
   </p:cSld>
